--- a/michael-susanedge-presentation.pptx
+++ b/michael-susanedge-presentation.pptx
@@ -14,21 +14,22 @@
     <p:sldId id="264" r:id="rId8"/>
     <p:sldId id="269" r:id="rId9"/>
     <p:sldId id="278" r:id="rId10"/>
-    <p:sldId id="265" r:id="rId11"/>
-    <p:sldId id="274" r:id="rId12"/>
-    <p:sldId id="280" r:id="rId13"/>
-    <p:sldId id="268" r:id="rId14"/>
-    <p:sldId id="279" r:id="rId15"/>
-    <p:sldId id="267" r:id="rId16"/>
-    <p:sldId id="273" r:id="rId17"/>
-    <p:sldId id="275" r:id="rId18"/>
-    <p:sldId id="276" r:id="rId19"/>
+    <p:sldId id="283" r:id="rId11"/>
+    <p:sldId id="265" r:id="rId12"/>
+    <p:sldId id="274" r:id="rId13"/>
+    <p:sldId id="280" r:id="rId14"/>
+    <p:sldId id="268" r:id="rId15"/>
+    <p:sldId id="279" r:id="rId16"/>
+    <p:sldId id="267" r:id="rId17"/>
+    <p:sldId id="273" r:id="rId18"/>
+    <p:sldId id="284" r:id="rId19"/>
     <p:sldId id="281" r:id="rId20"/>
     <p:sldId id="282" r:id="rId21"/>
     <p:sldId id="260" r:id="rId22"/>
-    <p:sldId id="261" r:id="rId23"/>
-    <p:sldId id="262" r:id="rId24"/>
-    <p:sldId id="263" r:id="rId25"/>
+    <p:sldId id="262" r:id="rId23"/>
+    <p:sldId id="286" r:id="rId24"/>
+    <p:sldId id="285" r:id="rId25"/>
+    <p:sldId id="263" r:id="rId26"/>
   </p:sldIdLst>
   <p:sldSz cx="9144000" cy="6858000" type="screen4x3"/>
   <p:notesSz cx="6858000" cy="9144000"/>
@@ -132,6 +133,7 @@
 
 <file path=ppt/charts/chart1.xml><?xml version="1.0" encoding="utf-8"?>
 <c:chartSpace xmlns:c="http://schemas.openxmlformats.org/drawingml/2006/chart" xmlns:a="http://schemas.openxmlformats.org/drawingml/2006/main" xmlns:r="http://schemas.openxmlformats.org/officeDocument/2006/relationships">
+  <c:date1904 val="1"/>
   <c:lang val="en-GB"/>
   <c:chart>
     <c:title>
@@ -201,24 +203,24 @@
             </c:numRef>
           </c:val>
         </c:ser>
-        <c:axId val="76537216"/>
-        <c:axId val="77478912"/>
+        <c:axId val="140760960"/>
+        <c:axId val="140762496"/>
       </c:barChart>
       <c:catAx>
-        <c:axId val="76537216"/>
+        <c:axId val="140760960"/>
         <c:scaling>
           <c:orientation val="minMax"/>
         </c:scaling>
         <c:axPos val="b"/>
         <c:tickLblPos val="nextTo"/>
-        <c:crossAx val="77478912"/>
+        <c:crossAx val="140762496"/>
         <c:crosses val="autoZero"/>
         <c:auto val="1"/>
         <c:lblAlgn val="ctr"/>
         <c:lblOffset val="100"/>
       </c:catAx>
       <c:valAx>
-        <c:axId val="77478912"/>
+        <c:axId val="140762496"/>
         <c:scaling>
           <c:orientation val="minMax"/>
         </c:scaling>
@@ -226,7 +228,7 @@
         <c:majorGridlines/>
         <c:numFmt formatCode="General" sourceLinked="1"/>
         <c:tickLblPos val="nextTo"/>
-        <c:crossAx val="76537216"/>
+        <c:crossAx val="140760960"/>
         <c:crosses val="autoZero"/>
         <c:crossBetween val="between"/>
       </c:valAx>
@@ -423,7 +425,7 @@
             <a:fld id="{420D65D8-03CC-42D4-89C4-CB770DA01089}" type="datetimeFigureOut">
               <a:rPr lang="en-GB" smtClean="0"/>
               <a:pPr/>
-              <a:t>05/02/2012</a:t>
+              <a:t>06/02/2012</a:t>
             </a:fld>
             <a:endParaRPr lang="en-GB"/>
           </a:p>
@@ -475,7 +477,7 @@
     </p:spTree>
     <p:extLst>
       <p:ext uri="{BB962C8B-B14F-4D97-AF65-F5344CB8AC3E}">
-        <p14:creationId xmlns="" xmlns:p14="http://schemas.microsoft.com/office/powerpoint/2010/main" val="158945681"/>
+        <p14:creationId xmlns:p14="http://schemas.microsoft.com/office/powerpoint/2010/main" xmlns="" val="158945681"/>
       </p:ext>
     </p:extLst>
   </p:cSld>
@@ -595,7 +597,7 @@
             <a:fld id="{420D65D8-03CC-42D4-89C4-CB770DA01089}" type="datetimeFigureOut">
               <a:rPr lang="en-GB" smtClean="0"/>
               <a:pPr/>
-              <a:t>05/02/2012</a:t>
+              <a:t>06/02/2012</a:t>
             </a:fld>
             <a:endParaRPr lang="en-GB"/>
           </a:p>
@@ -647,7 +649,7 @@
     </p:spTree>
     <p:extLst>
       <p:ext uri="{BB962C8B-B14F-4D97-AF65-F5344CB8AC3E}">
-        <p14:creationId xmlns="" xmlns:p14="http://schemas.microsoft.com/office/powerpoint/2010/main" val="2097151947"/>
+        <p14:creationId xmlns:p14="http://schemas.microsoft.com/office/powerpoint/2010/main" xmlns="" val="2097151947"/>
       </p:ext>
     </p:extLst>
   </p:cSld>
@@ -777,7 +779,7 @@
             <a:fld id="{420D65D8-03CC-42D4-89C4-CB770DA01089}" type="datetimeFigureOut">
               <a:rPr lang="en-GB" smtClean="0"/>
               <a:pPr/>
-              <a:t>05/02/2012</a:t>
+              <a:t>06/02/2012</a:t>
             </a:fld>
             <a:endParaRPr lang="en-GB"/>
           </a:p>
@@ -829,7 +831,7 @@
     </p:spTree>
     <p:extLst>
       <p:ext uri="{BB962C8B-B14F-4D97-AF65-F5344CB8AC3E}">
-        <p14:creationId xmlns="" xmlns:p14="http://schemas.microsoft.com/office/powerpoint/2010/main" val="4271639342"/>
+        <p14:creationId xmlns:p14="http://schemas.microsoft.com/office/powerpoint/2010/main" xmlns="" val="4271639342"/>
       </p:ext>
     </p:extLst>
   </p:cSld>
@@ -949,7 +951,7 @@
             <a:fld id="{420D65D8-03CC-42D4-89C4-CB770DA01089}" type="datetimeFigureOut">
               <a:rPr lang="en-GB" smtClean="0"/>
               <a:pPr/>
-              <a:t>05/02/2012</a:t>
+              <a:t>06/02/2012</a:t>
             </a:fld>
             <a:endParaRPr lang="en-GB"/>
           </a:p>
@@ -1001,7 +1003,7 @@
     </p:spTree>
     <p:extLst>
       <p:ext uri="{BB962C8B-B14F-4D97-AF65-F5344CB8AC3E}">
-        <p14:creationId xmlns="" xmlns:p14="http://schemas.microsoft.com/office/powerpoint/2010/main" val="4219831927"/>
+        <p14:creationId xmlns:p14="http://schemas.microsoft.com/office/powerpoint/2010/main" xmlns="" val="4219831927"/>
       </p:ext>
     </p:extLst>
   </p:cSld>
@@ -1197,7 +1199,7 @@
             <a:fld id="{420D65D8-03CC-42D4-89C4-CB770DA01089}" type="datetimeFigureOut">
               <a:rPr lang="en-GB" smtClean="0"/>
               <a:pPr/>
-              <a:t>05/02/2012</a:t>
+              <a:t>06/02/2012</a:t>
             </a:fld>
             <a:endParaRPr lang="en-GB"/>
           </a:p>
@@ -1249,7 +1251,7 @@
     </p:spTree>
     <p:extLst>
       <p:ext uri="{BB962C8B-B14F-4D97-AF65-F5344CB8AC3E}">
-        <p14:creationId xmlns="" xmlns:p14="http://schemas.microsoft.com/office/powerpoint/2010/main" val="148751217"/>
+        <p14:creationId xmlns:p14="http://schemas.microsoft.com/office/powerpoint/2010/main" xmlns="" val="148751217"/>
       </p:ext>
     </p:extLst>
   </p:cSld>
@@ -1487,7 +1489,7 @@
             <a:fld id="{420D65D8-03CC-42D4-89C4-CB770DA01089}" type="datetimeFigureOut">
               <a:rPr lang="en-GB" smtClean="0"/>
               <a:pPr/>
-              <a:t>05/02/2012</a:t>
+              <a:t>06/02/2012</a:t>
             </a:fld>
             <a:endParaRPr lang="en-GB"/>
           </a:p>
@@ -1539,7 +1541,7 @@
     </p:spTree>
     <p:extLst>
       <p:ext uri="{BB962C8B-B14F-4D97-AF65-F5344CB8AC3E}">
-        <p14:creationId xmlns="" xmlns:p14="http://schemas.microsoft.com/office/powerpoint/2010/main" val="30041719"/>
+        <p14:creationId xmlns:p14="http://schemas.microsoft.com/office/powerpoint/2010/main" xmlns="" val="30041719"/>
       </p:ext>
     </p:extLst>
   </p:cSld>
@@ -1911,7 +1913,7 @@
             <a:fld id="{420D65D8-03CC-42D4-89C4-CB770DA01089}" type="datetimeFigureOut">
               <a:rPr lang="en-GB" smtClean="0"/>
               <a:pPr/>
-              <a:t>05/02/2012</a:t>
+              <a:t>06/02/2012</a:t>
             </a:fld>
             <a:endParaRPr lang="en-GB"/>
           </a:p>
@@ -1963,7 +1965,7 @@
     </p:spTree>
     <p:extLst>
       <p:ext uri="{BB962C8B-B14F-4D97-AF65-F5344CB8AC3E}">
-        <p14:creationId xmlns="" xmlns:p14="http://schemas.microsoft.com/office/powerpoint/2010/main" val="1034348362"/>
+        <p14:creationId xmlns:p14="http://schemas.microsoft.com/office/powerpoint/2010/main" xmlns="" val="1034348362"/>
       </p:ext>
     </p:extLst>
   </p:cSld>
@@ -2031,7 +2033,7 @@
             <a:fld id="{420D65D8-03CC-42D4-89C4-CB770DA01089}" type="datetimeFigureOut">
               <a:rPr lang="en-GB" smtClean="0"/>
               <a:pPr/>
-              <a:t>05/02/2012</a:t>
+              <a:t>06/02/2012</a:t>
             </a:fld>
             <a:endParaRPr lang="en-GB"/>
           </a:p>
@@ -2083,7 +2085,7 @@
     </p:spTree>
     <p:extLst>
       <p:ext uri="{BB962C8B-B14F-4D97-AF65-F5344CB8AC3E}">
-        <p14:creationId xmlns="" xmlns:p14="http://schemas.microsoft.com/office/powerpoint/2010/main" val="290425148"/>
+        <p14:creationId xmlns:p14="http://schemas.microsoft.com/office/powerpoint/2010/main" xmlns="" val="290425148"/>
       </p:ext>
     </p:extLst>
   </p:cSld>
@@ -2128,7 +2130,7 @@
             <a:fld id="{420D65D8-03CC-42D4-89C4-CB770DA01089}" type="datetimeFigureOut">
               <a:rPr lang="en-GB" smtClean="0"/>
               <a:pPr/>
-              <a:t>05/02/2012</a:t>
+              <a:t>06/02/2012</a:t>
             </a:fld>
             <a:endParaRPr lang="en-GB"/>
           </a:p>
@@ -2180,7 +2182,7 @@
     </p:spTree>
     <p:extLst>
       <p:ext uri="{BB962C8B-B14F-4D97-AF65-F5344CB8AC3E}">
-        <p14:creationId xmlns="" xmlns:p14="http://schemas.microsoft.com/office/powerpoint/2010/main" val="182345889"/>
+        <p14:creationId xmlns:p14="http://schemas.microsoft.com/office/powerpoint/2010/main" xmlns="" val="182345889"/>
       </p:ext>
     </p:extLst>
   </p:cSld>
@@ -2407,7 +2409,7 @@
             <a:fld id="{420D65D8-03CC-42D4-89C4-CB770DA01089}" type="datetimeFigureOut">
               <a:rPr lang="en-GB" smtClean="0"/>
               <a:pPr/>
-              <a:t>05/02/2012</a:t>
+              <a:t>06/02/2012</a:t>
             </a:fld>
             <a:endParaRPr lang="en-GB"/>
           </a:p>
@@ -2459,7 +2461,7 @@
     </p:spTree>
     <p:extLst>
       <p:ext uri="{BB962C8B-B14F-4D97-AF65-F5344CB8AC3E}">
-        <p14:creationId xmlns="" xmlns:p14="http://schemas.microsoft.com/office/powerpoint/2010/main" val="2186173485"/>
+        <p14:creationId xmlns:p14="http://schemas.microsoft.com/office/powerpoint/2010/main" xmlns="" val="2186173485"/>
       </p:ext>
     </p:extLst>
   </p:cSld>
@@ -2662,7 +2664,7 @@
             <a:fld id="{420D65D8-03CC-42D4-89C4-CB770DA01089}" type="datetimeFigureOut">
               <a:rPr lang="en-GB" smtClean="0"/>
               <a:pPr/>
-              <a:t>05/02/2012</a:t>
+              <a:t>06/02/2012</a:t>
             </a:fld>
             <a:endParaRPr lang="en-GB"/>
           </a:p>
@@ -2714,7 +2716,7 @@
     </p:spTree>
     <p:extLst>
       <p:ext uri="{BB962C8B-B14F-4D97-AF65-F5344CB8AC3E}">
-        <p14:creationId xmlns="" xmlns:p14="http://schemas.microsoft.com/office/powerpoint/2010/main" val="4028586268"/>
+        <p14:creationId xmlns:p14="http://schemas.microsoft.com/office/powerpoint/2010/main" xmlns="" val="4028586268"/>
       </p:ext>
     </p:extLst>
   </p:cSld>
@@ -2877,7 +2879,7 @@
             <a:fld id="{420D65D8-03CC-42D4-89C4-CB770DA01089}" type="datetimeFigureOut">
               <a:rPr lang="en-GB" smtClean="0"/>
               <a:pPr/>
-              <a:t>05/02/2012</a:t>
+              <a:t>06/02/2012</a:t>
             </a:fld>
             <a:endParaRPr lang="en-GB"/>
           </a:p>
@@ -2965,7 +2967,7 @@
     </p:spTree>
     <p:extLst>
       <p:ext uri="{BB962C8B-B14F-4D97-AF65-F5344CB8AC3E}">
-        <p14:creationId xmlns="" xmlns:p14="http://schemas.microsoft.com/office/powerpoint/2010/main" val="2046728892"/>
+        <p14:creationId xmlns:p14="http://schemas.microsoft.com/office/powerpoint/2010/main" xmlns="" val="2046728892"/>
       </p:ext>
     </p:extLst>
   </p:cSld>
@@ -3308,7 +3310,7 @@
     </p:spTree>
     <p:extLst>
       <p:ext uri="{BB962C8B-B14F-4D97-AF65-F5344CB8AC3E}">
-        <p14:creationId xmlns="" xmlns:p14="http://schemas.microsoft.com/office/powerpoint/2010/main" val="1771199691"/>
+        <p14:creationId xmlns:p14="http://schemas.microsoft.com/office/powerpoint/2010/main" xmlns="" val="1771199691"/>
       </p:ext>
     </p:extLst>
   </p:cSld>
@@ -3326,6 +3328,159 @@
 </file>
 
 <file path=ppt/slides/slide10.xml><?xml version="1.0" encoding="utf-8"?>
+<p:sld xmlns:a="http://schemas.openxmlformats.org/drawingml/2006/main" xmlns:r="http://schemas.openxmlformats.org/officeDocument/2006/relationships" xmlns:p="http://schemas.openxmlformats.org/presentationml/2006/main">
+  <p:cSld>
+    <p:spTree>
+      <p:nvGrpSpPr>
+        <p:cNvPr id="1" name=""/>
+        <p:cNvGrpSpPr/>
+        <p:nvPr/>
+      </p:nvGrpSpPr>
+      <p:grpSpPr>
+        <a:xfrm>
+          <a:off x="0" y="0"/>
+          <a:ext cx="0" cy="0"/>
+          <a:chOff x="0" y="0"/>
+          <a:chExt cx="0" cy="0"/>
+        </a:xfrm>
+      </p:grpSpPr>
+      <p:sp>
+        <p:nvSpPr>
+          <p:cNvPr id="2" name="Title 1"/>
+          <p:cNvSpPr>
+            <a:spLocks noGrp="1"/>
+          </p:cNvSpPr>
+          <p:nvPr>
+            <p:ph type="title"/>
+          </p:nvPr>
+        </p:nvSpPr>
+        <p:spPr/>
+        <p:txBody>
+          <a:bodyPr/>
+          <a:lstStyle/>
+          <a:p>
+            <a:r>
+              <a:rPr lang="en-GB" dirty="0" smtClean="0"/>
+              <a:t>Implementation</a:t>
+            </a:r>
+            <a:endParaRPr lang="en-GB" dirty="0"/>
+          </a:p>
+        </p:txBody>
+      </p:sp>
+      <p:sp>
+        <p:nvSpPr>
+          <p:cNvPr id="3" name="Content Placeholder 2"/>
+          <p:cNvSpPr>
+            <a:spLocks noGrp="1"/>
+          </p:cNvSpPr>
+          <p:nvPr>
+            <p:ph idx="1"/>
+          </p:nvPr>
+        </p:nvSpPr>
+        <p:spPr/>
+        <p:txBody>
+          <a:bodyPr/>
+          <a:lstStyle/>
+          <a:p>
+            <a:pPr marL="514350" indent="-514350">
+              <a:buFont typeface="+mj-lt"/>
+              <a:buAutoNum type="arabicPeriod"/>
+            </a:pPr>
+            <a:r>
+              <a:rPr lang="en-GB" dirty="0" smtClean="0"/>
+              <a:t>Implementation with </a:t>
+            </a:r>
+            <a:r>
+              <a:rPr lang="en-GB" b="1" dirty="0" smtClean="0"/>
+              <a:t>square mask </a:t>
+            </a:r>
+            <a:r>
+              <a:rPr lang="en-GB" dirty="0" smtClean="0"/>
+              <a:t>and </a:t>
+            </a:r>
+            <a:r>
+              <a:rPr lang="en-GB" b="1" dirty="0" smtClean="0"/>
+              <a:t>simple</a:t>
+            </a:r>
+            <a:r>
+              <a:rPr lang="en-GB" dirty="0" smtClean="0"/>
+              <a:t>  </a:t>
+            </a:r>
+            <a:r>
+              <a:rPr lang="en-GB" b="1" dirty="0" smtClean="0"/>
+              <a:t>similarity equation</a:t>
+            </a:r>
+            <a:endParaRPr lang="en-GB" dirty="0" smtClean="0"/>
+          </a:p>
+          <a:p>
+            <a:pPr marL="971550" lvl="1" indent="-514350">
+              <a:buFont typeface="+mj-lt"/>
+              <a:buAutoNum type="arabicPeriod"/>
+            </a:pPr>
+            <a:endParaRPr lang="en-GB" dirty="0" smtClean="0"/>
+          </a:p>
+          <a:p>
+            <a:pPr marL="971550" lvl="1" indent="-514350">
+              <a:buFont typeface="+mj-lt"/>
+              <a:buAutoNum type="arabicPeriod"/>
+            </a:pPr>
+            <a:endParaRPr lang="en-GB" dirty="0"/>
+          </a:p>
+        </p:txBody>
+      </p:sp>
+      <p:pic>
+        <p:nvPicPr>
+          <p:cNvPr id="9" name="Picture 5"/>
+          <p:cNvPicPr>
+            <a:picLocks noChangeAspect="1" noChangeArrowheads="1"/>
+          </p:cNvPicPr>
+          <p:nvPr/>
+        </p:nvPicPr>
+        <p:blipFill>
+          <a:blip r:embed="rId2" cstate="print"/>
+          <a:srcRect/>
+          <a:stretch>
+            <a:fillRect/>
+          </a:stretch>
+        </p:blipFill>
+        <p:spPr bwMode="auto">
+          <a:xfrm>
+            <a:off x="1187624" y="2780928"/>
+            <a:ext cx="6166171" cy="3672408"/>
+          </a:xfrm>
+          <a:prstGeom prst="rect">
+            <a:avLst/>
+          </a:prstGeom>
+          <a:noFill/>
+          <a:ln w="9525">
+            <a:noFill/>
+            <a:miter lim="800000"/>
+            <a:headEnd/>
+            <a:tailEnd/>
+          </a:ln>
+        </p:spPr>
+      </p:pic>
+    </p:spTree>
+    <p:extLst>
+      <p:ext uri="{BB962C8B-B14F-4D97-AF65-F5344CB8AC3E}">
+        <p14:creationId xmlns:p14="http://schemas.microsoft.com/office/powerpoint/2010/main" xmlns="" val="1537013682"/>
+      </p:ext>
+    </p:extLst>
+  </p:cSld>
+  <p:clrMapOvr>
+    <a:masterClrMapping/>
+  </p:clrMapOvr>
+  <p:timing>
+    <p:tnLst>
+      <p:par>
+        <p:cTn id="1" dur="indefinite" restart="never" nodeType="tmRoot"/>
+      </p:par>
+    </p:tnLst>
+  </p:timing>
+</p:sld>
+</file>
+
+<file path=ppt/slides/slide11.xml><?xml version="1.0" encoding="utf-8"?>
 <p:sld xmlns:a="http://schemas.openxmlformats.org/drawingml/2006/main" xmlns:r="http://schemas.openxmlformats.org/officeDocument/2006/relationships" xmlns:p="http://schemas.openxmlformats.org/presentationml/2006/main">
   <p:cSld>
     <p:spTree>
@@ -3518,7 +3673,7 @@
     </p:spTree>
     <p:extLst>
       <p:ext uri="{BB962C8B-B14F-4D97-AF65-F5344CB8AC3E}">
-        <p14:creationId xmlns="" xmlns:p14="http://schemas.microsoft.com/office/powerpoint/2010/main" val="1537013682"/>
+        <p14:creationId xmlns:p14="http://schemas.microsoft.com/office/powerpoint/2010/main" xmlns="" val="1537013682"/>
       </p:ext>
     </p:extLst>
   </p:cSld>
@@ -3535,7 +3690,7 @@
 </p:sld>
 </file>
 
-<file path=ppt/slides/slide11.xml><?xml version="1.0" encoding="utf-8"?>
+<file path=ppt/slides/slide12.xml><?xml version="1.0" encoding="utf-8"?>
 <p:sld xmlns:a="http://schemas.openxmlformats.org/drawingml/2006/main" xmlns:r="http://schemas.openxmlformats.org/officeDocument/2006/relationships" xmlns:p="http://schemas.openxmlformats.org/presentationml/2006/main">
   <p:cSld>
     <p:spTree>
@@ -3610,7 +3765,6 @@
               <a:rPr lang="en-GB" b="1" dirty="0" smtClean="0"/>
               <a:t>improve speed</a:t>
             </a:r>
-            <a:endParaRPr lang="en-GB" b="1" dirty="0" smtClean="0"/>
           </a:p>
         </p:txBody>
       </p:sp>
@@ -3718,121 +3872,7 @@
     </p:spTree>
     <p:extLst>
       <p:ext uri="{BB962C8B-B14F-4D97-AF65-F5344CB8AC3E}">
-        <p14:creationId xmlns="" xmlns:p14="http://schemas.microsoft.com/office/powerpoint/2010/main" val="543308162"/>
-      </p:ext>
-    </p:extLst>
-  </p:cSld>
-  <p:clrMapOvr>
-    <a:masterClrMapping/>
-  </p:clrMapOvr>
-  <p:timing>
-    <p:tnLst>
-      <p:par>
-        <p:cTn id="1" dur="indefinite" restart="never" nodeType="tmRoot"/>
-      </p:par>
-    </p:tnLst>
-  </p:timing>
-</p:sld>
-</file>
-
-<file path=ppt/slides/slide12.xml><?xml version="1.0" encoding="utf-8"?>
-<p:sld xmlns:a="http://schemas.openxmlformats.org/drawingml/2006/main" xmlns:r="http://schemas.openxmlformats.org/officeDocument/2006/relationships" xmlns:p="http://schemas.openxmlformats.org/presentationml/2006/main">
-  <p:cSld>
-    <p:spTree>
-      <p:nvGrpSpPr>
-        <p:cNvPr id="1" name=""/>
-        <p:cNvGrpSpPr/>
-        <p:nvPr/>
-      </p:nvGrpSpPr>
-      <p:grpSpPr>
-        <a:xfrm>
-          <a:off x="0" y="0"/>
-          <a:ext cx="0" cy="0"/>
-          <a:chOff x="0" y="0"/>
-          <a:chExt cx="0" cy="0"/>
-        </a:xfrm>
-      </p:grpSpPr>
-      <p:sp>
-        <p:nvSpPr>
-          <p:cNvPr id="2" name="Title 1"/>
-          <p:cNvSpPr>
-            <a:spLocks noGrp="1"/>
-          </p:cNvSpPr>
-          <p:nvPr>
-            <p:ph type="title"/>
-          </p:nvPr>
-        </p:nvSpPr>
-        <p:spPr/>
-        <p:txBody>
-          <a:bodyPr/>
-          <a:lstStyle/>
-          <a:p>
-            <a:r>
-              <a:rPr lang="en-GB" dirty="0" smtClean="0"/>
-              <a:t>Implementation</a:t>
-            </a:r>
-            <a:endParaRPr lang="en-GB" dirty="0"/>
-          </a:p>
-        </p:txBody>
-      </p:sp>
-      <p:sp>
-        <p:nvSpPr>
-          <p:cNvPr id="3" name="Content Placeholder 2"/>
-          <p:cNvSpPr>
-            <a:spLocks noGrp="1"/>
-          </p:cNvSpPr>
-          <p:nvPr>
-            <p:ph idx="1"/>
-          </p:nvPr>
-        </p:nvSpPr>
-        <p:spPr/>
-        <p:txBody>
-          <a:bodyPr/>
-          <a:lstStyle/>
-          <a:p>
-            <a:pPr marL="514350" indent="-514350">
-              <a:buFont typeface="+mj-lt"/>
-              <a:buAutoNum type="arabicPeriod" startAt="2"/>
-            </a:pPr>
-            <a:r>
-              <a:rPr lang="en-GB" dirty="0" smtClean="0"/>
-              <a:t> Algorithm partially </a:t>
-            </a:r>
-            <a:r>
-              <a:rPr lang="en-GB" dirty="0" err="1" smtClean="0"/>
-              <a:t>vectorized</a:t>
-            </a:r>
-            <a:r>
-              <a:rPr lang="en-GB" dirty="0" smtClean="0"/>
-              <a:t> to </a:t>
-            </a:r>
-            <a:r>
-              <a:rPr lang="en-GB" b="1" dirty="0" smtClean="0"/>
-              <a:t>improve speed</a:t>
-            </a:r>
-          </a:p>
-        </p:txBody>
-      </p:sp>
-      <p:graphicFrame>
-        <p:nvGraphicFramePr>
-          <p:cNvPr id="9" name="Chart 8"/>
-          <p:cNvGraphicFramePr/>
-          <p:nvPr/>
-        </p:nvGraphicFramePr>
-        <p:xfrm>
-          <a:off x="1619672" y="2708920"/>
-          <a:ext cx="6336704" cy="3744416"/>
-        </p:xfrm>
-        <a:graphic>
-          <a:graphicData uri="http://schemas.openxmlformats.org/drawingml/2006/chart">
-            <c:chart xmlns:c="http://schemas.openxmlformats.org/drawingml/2006/chart" xmlns:r="http://schemas.openxmlformats.org/officeDocument/2006/relationships" r:id="rId2"/>
-          </a:graphicData>
-        </a:graphic>
-      </p:graphicFrame>
-    </p:spTree>
-    <p:extLst>
-      <p:ext uri="{BB962C8B-B14F-4D97-AF65-F5344CB8AC3E}">
-        <p14:creationId xmlns="" xmlns:p14="http://schemas.microsoft.com/office/powerpoint/2010/main" val="543308162"/>
+        <p14:creationId xmlns:p14="http://schemas.microsoft.com/office/powerpoint/2010/main" xmlns="" val="543308162"/>
       </p:ext>
     </p:extLst>
   </p:cSld>
@@ -3899,71 +3939,54 @@
             <p:ph idx="1"/>
           </p:nvPr>
         </p:nvSpPr>
-        <p:spPr>
-          <a:xfrm>
-            <a:off x="457200" y="1600201"/>
-            <a:ext cx="8229600" cy="748680"/>
-          </a:xfrm>
-        </p:spPr>
+        <p:spPr/>
         <p:txBody>
           <a:bodyPr/>
           <a:lstStyle/>
           <a:p>
             <a:pPr marL="514350" indent="-514350">
               <a:buFont typeface="+mj-lt"/>
-              <a:buAutoNum type="arabicPeriod" startAt="3"/>
+              <a:buAutoNum type="arabicPeriod" startAt="2"/>
             </a:pPr>
             <a:r>
               <a:rPr lang="en-GB" dirty="0" smtClean="0"/>
-              <a:t> </a:t>
+              <a:t> Algorithm partially </a:t>
+            </a:r>
+            <a:r>
+              <a:rPr lang="en-GB" dirty="0" err="1" smtClean="0"/>
+              <a:t>vectorized</a:t>
+            </a:r>
+            <a:r>
+              <a:rPr lang="en-GB" dirty="0" smtClean="0"/>
+              <a:t> to </a:t>
             </a:r>
             <a:r>
               <a:rPr lang="en-GB" b="1" dirty="0" smtClean="0"/>
-              <a:t>Smoothed </a:t>
-            </a:r>
-            <a:r>
-              <a:rPr lang="en-GB" dirty="0" smtClean="0"/>
-              <a:t>similarity equation implemented</a:t>
-            </a:r>
-          </a:p>
-        </p:txBody>
-      </p:sp>
-      <p:pic>
-        <p:nvPicPr>
-          <p:cNvPr id="8195" name="Picture 3"/>
-          <p:cNvPicPr>
-            <a:picLocks noChangeAspect="1" noChangeArrowheads="1"/>
-          </p:cNvPicPr>
+              <a:t>improve speed</a:t>
+            </a:r>
+          </a:p>
+        </p:txBody>
+      </p:sp>
+      <p:graphicFrame>
+        <p:nvGraphicFramePr>
+          <p:cNvPr id="9" name="Chart 8"/>
+          <p:cNvGraphicFramePr/>
           <p:nvPr/>
-        </p:nvPicPr>
-        <p:blipFill>
-          <a:blip r:embed="rId2" cstate="print"/>
-          <a:srcRect l="20637" t="37500" r="1670" b="37500"/>
-          <a:stretch>
-            <a:fillRect/>
-          </a:stretch>
-        </p:blipFill>
-        <p:spPr bwMode="auto">
-          <a:xfrm>
-            <a:off x="2555776" y="2492896"/>
-            <a:ext cx="4176464" cy="913602"/>
-          </a:xfrm>
-          <a:prstGeom prst="rect">
-            <a:avLst/>
-          </a:prstGeom>
-          <a:noFill/>
-          <a:ln w="9525">
-            <a:noFill/>
-            <a:miter lim="800000"/>
-            <a:headEnd/>
-            <a:tailEnd/>
-          </a:ln>
-        </p:spPr>
-      </p:pic>
+        </p:nvGraphicFramePr>
+        <p:xfrm>
+          <a:off x="1619672" y="2708920"/>
+          <a:ext cx="6336704" cy="3744416"/>
+        </p:xfrm>
+        <a:graphic>
+          <a:graphicData uri="http://schemas.openxmlformats.org/drawingml/2006/chart">
+            <c:chart xmlns:c="http://schemas.openxmlformats.org/drawingml/2006/chart" xmlns:r="http://schemas.openxmlformats.org/officeDocument/2006/relationships" r:id="rId2"/>
+          </a:graphicData>
+        </a:graphic>
+      </p:graphicFrame>
     </p:spTree>
     <p:extLst>
       <p:ext uri="{BB962C8B-B14F-4D97-AF65-F5344CB8AC3E}">
-        <p14:creationId xmlns="" xmlns:p14="http://schemas.microsoft.com/office/powerpoint/2010/main" val="3107077440"/>
+        <p14:creationId xmlns:p14="http://schemas.microsoft.com/office/powerpoint/2010/main" xmlns="" val="543308162"/>
       </p:ext>
     </p:extLst>
   </p:cSld>
@@ -4061,43 +4084,204 @@
       </p:sp>
       <p:pic>
         <p:nvPicPr>
-          <p:cNvPr id="3074" name="Picture 2" descr="H:\susanedge\susanedge\figures\smooth_square_susan_test.png"/>
+          <p:cNvPr id="8195" name="Picture 3"/>
           <p:cNvPicPr>
             <a:picLocks noChangeAspect="1" noChangeArrowheads="1"/>
           </p:cNvPicPr>
           <p:nvPr/>
         </p:nvPicPr>
-        <p:blipFill rotWithShape="1">
-          <a:blip r:embed="rId2" cstate="print">
-            <a:extLst>
-              <a:ext uri="{28A0092B-C50C-407E-A947-70E740481C1C}">
-                <a14:useLocalDpi xmlns="" xmlns:a14="http://schemas.microsoft.com/office/drawing/2010/main" val="0"/>
-              </a:ext>
-            </a:extLst>
-          </a:blip>
-          <a:srcRect l="28299" t="8238" r="28038" b="7052"/>
-          <a:stretch/>
+        <p:blipFill>
+          <a:blip r:embed="rId2" cstate="print"/>
+          <a:srcRect l="20637" t="37500" r="1670" b="37500"/>
+          <a:stretch>
+            <a:fillRect/>
+          </a:stretch>
         </p:blipFill>
         <p:spPr bwMode="auto">
           <a:xfrm>
-            <a:off x="5127606" y="2848570"/>
-            <a:ext cx="3692866" cy="3604766"/>
+            <a:off x="2555776" y="2492896"/>
+            <a:ext cx="4176464" cy="913602"/>
           </a:xfrm>
           <a:prstGeom prst="rect">
             <a:avLst/>
           </a:prstGeom>
           <a:noFill/>
-          <a:extLst>
-            <a:ext uri="{909E8E84-426E-40DD-AFC4-6F175D3DCCD1}">
-              <a14:hiddenFill xmlns="" xmlns:a14="http://schemas.microsoft.com/office/drawing/2010/main">
-                <a:solidFill>
-                  <a:srgbClr val="FFFFFF"/>
-                </a:solidFill>
-              </a14:hiddenFill>
-            </a:ext>
-          </a:extLst>
+          <a:ln w="9525">
+            <a:noFill/>
+            <a:miter lim="800000"/>
+            <a:headEnd/>
+            <a:tailEnd/>
+          </a:ln>
         </p:spPr>
       </p:pic>
+      <p:pic>
+        <p:nvPicPr>
+          <p:cNvPr id="5" name="Picture 2"/>
+          <p:cNvPicPr>
+            <a:picLocks noChangeAspect="1" noChangeArrowheads="1"/>
+          </p:cNvPicPr>
+          <p:nvPr/>
+        </p:nvPicPr>
+        <p:blipFill>
+          <a:blip r:embed="rId3" cstate="print"/>
+          <a:srcRect/>
+          <a:stretch>
+            <a:fillRect/>
+          </a:stretch>
+        </p:blipFill>
+        <p:spPr bwMode="auto">
+          <a:xfrm>
+            <a:off x="2627784" y="3789040"/>
+            <a:ext cx="4038600" cy="2128125"/>
+          </a:xfrm>
+          <a:prstGeom prst="rect">
+            <a:avLst/>
+          </a:prstGeom>
+          <a:noFill/>
+          <a:ln w="9525">
+            <a:noFill/>
+            <a:miter lim="800000"/>
+            <a:headEnd/>
+            <a:tailEnd/>
+          </a:ln>
+        </p:spPr>
+      </p:pic>
+      <p:cxnSp>
+        <p:nvCxnSpPr>
+          <p:cNvPr id="12" name="Straight Arrow Connector 11"/>
+          <p:cNvCxnSpPr/>
+          <p:nvPr/>
+        </p:nvCxnSpPr>
+        <p:spPr>
+          <a:xfrm flipV="1">
+            <a:off x="5364088" y="3573016"/>
+            <a:ext cx="1872208" cy="792088"/>
+          </a:xfrm>
+          <a:prstGeom prst="straightConnector1">
+            <a:avLst/>
+          </a:prstGeom>
+          <a:ln w="57150">
+            <a:solidFill>
+              <a:srgbClr val="FF0000"/>
+            </a:solidFill>
+            <a:headEnd type="triangle" w="med" len="med"/>
+            <a:tailEnd type="none" w="med" len="med"/>
+          </a:ln>
+        </p:spPr>
+        <p:style>
+          <a:lnRef idx="1">
+            <a:schemeClr val="accent1"/>
+          </a:lnRef>
+          <a:fillRef idx="0">
+            <a:schemeClr val="accent1"/>
+          </a:fillRef>
+          <a:effectRef idx="0">
+            <a:schemeClr val="accent1"/>
+          </a:effectRef>
+          <a:fontRef idx="minor">
+            <a:schemeClr val="tx1"/>
+          </a:fontRef>
+        </p:style>
+      </p:cxnSp>
+    </p:spTree>
+    <p:extLst>
+      <p:ext uri="{BB962C8B-B14F-4D97-AF65-F5344CB8AC3E}">
+        <p14:creationId xmlns:p14="http://schemas.microsoft.com/office/powerpoint/2010/main" xmlns="" val="3107077440"/>
+      </p:ext>
+    </p:extLst>
+  </p:cSld>
+  <p:clrMapOvr>
+    <a:masterClrMapping/>
+  </p:clrMapOvr>
+  <p:timing>
+    <p:tnLst>
+      <p:par>
+        <p:cTn id="1" dur="indefinite" restart="never" nodeType="tmRoot"/>
+      </p:par>
+    </p:tnLst>
+  </p:timing>
+</p:sld>
+</file>
+
+<file path=ppt/slides/slide15.xml><?xml version="1.0" encoding="utf-8"?>
+<p:sld xmlns:a="http://schemas.openxmlformats.org/drawingml/2006/main" xmlns:r="http://schemas.openxmlformats.org/officeDocument/2006/relationships" xmlns:p="http://schemas.openxmlformats.org/presentationml/2006/main">
+  <p:cSld>
+    <p:spTree>
+      <p:nvGrpSpPr>
+        <p:cNvPr id="1" name=""/>
+        <p:cNvGrpSpPr/>
+        <p:nvPr/>
+      </p:nvGrpSpPr>
+      <p:grpSpPr>
+        <a:xfrm>
+          <a:off x="0" y="0"/>
+          <a:ext cx="0" cy="0"/>
+          <a:chOff x="0" y="0"/>
+          <a:chExt cx="0" cy="0"/>
+        </a:xfrm>
+      </p:grpSpPr>
+      <p:sp>
+        <p:nvSpPr>
+          <p:cNvPr id="2" name="Title 1"/>
+          <p:cNvSpPr>
+            <a:spLocks noGrp="1"/>
+          </p:cNvSpPr>
+          <p:nvPr>
+            <p:ph type="title"/>
+          </p:nvPr>
+        </p:nvSpPr>
+        <p:spPr/>
+        <p:txBody>
+          <a:bodyPr/>
+          <a:lstStyle/>
+          <a:p>
+            <a:r>
+              <a:rPr lang="en-GB" dirty="0" smtClean="0"/>
+              <a:t>Implementation</a:t>
+            </a:r>
+            <a:endParaRPr lang="en-GB" dirty="0"/>
+          </a:p>
+        </p:txBody>
+      </p:sp>
+      <p:sp>
+        <p:nvSpPr>
+          <p:cNvPr id="3" name="Content Placeholder 2"/>
+          <p:cNvSpPr>
+            <a:spLocks noGrp="1"/>
+          </p:cNvSpPr>
+          <p:nvPr>
+            <p:ph idx="1"/>
+          </p:nvPr>
+        </p:nvSpPr>
+        <p:spPr>
+          <a:xfrm>
+            <a:off x="457200" y="1600201"/>
+            <a:ext cx="8229600" cy="748680"/>
+          </a:xfrm>
+        </p:spPr>
+        <p:txBody>
+          <a:bodyPr/>
+          <a:lstStyle/>
+          <a:p>
+            <a:pPr marL="514350" indent="-514350">
+              <a:buFont typeface="+mj-lt"/>
+              <a:buAutoNum type="arabicPeriod" startAt="3"/>
+            </a:pPr>
+            <a:r>
+              <a:rPr lang="en-GB" dirty="0" smtClean="0"/>
+              <a:t> </a:t>
+            </a:r>
+            <a:r>
+              <a:rPr lang="en-GB" b="1" dirty="0" smtClean="0"/>
+              <a:t>Smoothed </a:t>
+            </a:r>
+            <a:r>
+              <a:rPr lang="en-GB" dirty="0" smtClean="0"/>
+              <a:t>similarity equation implemented</a:t>
+            </a:r>
+          </a:p>
+        </p:txBody>
+      </p:sp>
       <p:cxnSp>
         <p:nvCxnSpPr>
           <p:cNvPr id="10" name="Straight Arrow Connector 9"/>
@@ -4137,7 +4321,33 @@
       </p:cxnSp>
       <p:pic>
         <p:nvPicPr>
-          <p:cNvPr id="7" name="Picture 3" descr="C:\Users\ames\Documents\susanedge\susanedge\figures\simple_square_susan_test.png"/>
+          <p:cNvPr id="4098" name="Picture 2" descr="C:\Users\ames\Documents\susanedge\susanedge\figures\simple_house.png"/>
+          <p:cNvPicPr>
+            <a:picLocks noChangeAspect="1" noChangeArrowheads="1"/>
+          </p:cNvPicPr>
+          <p:nvPr/>
+        </p:nvPicPr>
+        <p:blipFill>
+          <a:blip r:embed="rId2" cstate="print"/>
+          <a:srcRect l="15695" t="8417" r="17628" b="5782"/>
+          <a:stretch>
+            <a:fillRect/>
+          </a:stretch>
+        </p:blipFill>
+        <p:spPr bwMode="auto">
+          <a:xfrm>
+            <a:off x="173065" y="2636912"/>
+            <a:ext cx="3930346" cy="3816424"/>
+          </a:xfrm>
+          <a:prstGeom prst="rect">
+            <a:avLst/>
+          </a:prstGeom>
+          <a:noFill/>
+        </p:spPr>
+      </p:pic>
+      <p:pic>
+        <p:nvPicPr>
+          <p:cNvPr id="4099" name="Picture 3" descr="C:\Users\ames\Documents\susanedge\susanedge\figures\smooth_susan_house.png"/>
           <p:cNvPicPr>
             <a:picLocks noChangeAspect="1" noChangeArrowheads="1"/>
           </p:cNvPicPr>
@@ -4145,15 +4355,15 @@
         </p:nvPicPr>
         <p:blipFill>
           <a:blip r:embed="rId3" cstate="print"/>
-          <a:srcRect l="15695" t="8174" r="16662" b="4744"/>
+          <a:srcRect l="16692" t="7966" r="16632" b="6233"/>
           <a:stretch>
             <a:fillRect/>
           </a:stretch>
         </p:blipFill>
         <p:spPr bwMode="auto">
           <a:xfrm>
-            <a:off x="251520" y="2852936"/>
-            <a:ext cx="3882735" cy="3771800"/>
+            <a:off x="4938488" y="2636912"/>
+            <a:ext cx="3930348" cy="3816424"/>
           </a:xfrm>
           <a:prstGeom prst="rect">
             <a:avLst/>
@@ -4164,7 +4374,7 @@
     </p:spTree>
     <p:extLst>
       <p:ext uri="{BB962C8B-B14F-4D97-AF65-F5344CB8AC3E}">
-        <p14:creationId xmlns="" xmlns:p14="http://schemas.microsoft.com/office/powerpoint/2010/main" val="3107077440"/>
+        <p14:creationId xmlns:p14="http://schemas.microsoft.com/office/powerpoint/2010/main" xmlns="" val="3107077440"/>
       </p:ext>
     </p:extLst>
   </p:cSld>
@@ -4181,7 +4391,7 @@
 </p:sld>
 </file>
 
-<file path=ppt/slides/slide15.xml><?xml version="1.0" encoding="utf-8"?>
+<file path=ppt/slides/slide16.xml><?xml version="1.0" encoding="utf-8"?>
 <p:sld xmlns:a="http://schemas.openxmlformats.org/drawingml/2006/main" xmlns:r="http://schemas.openxmlformats.org/officeDocument/2006/relationships" xmlns:p="http://schemas.openxmlformats.org/presentationml/2006/main">
   <p:cSld>
     <p:spTree>
@@ -4250,17 +4460,8 @@
             </a:r>
             <a:r>
               <a:rPr lang="en-GB" dirty="0" smtClean="0"/>
-              <a:t> </a:t>
-            </a:r>
-            <a:r>
-              <a:rPr lang="en-GB" dirty="0" smtClean="0"/>
-              <a:t>mask </a:t>
-            </a:r>
-            <a:r>
-              <a:rPr lang="en-GB" dirty="0" smtClean="0"/>
-              <a:t>implemented</a:t>
-            </a:r>
-            <a:endParaRPr lang="en-GB" dirty="0" smtClean="0"/>
+              <a:t> mask implemented</a:t>
+            </a:r>
           </a:p>
         </p:txBody>
       </p:sp>
@@ -4303,7 +4504,7 @@
       </p:cxnSp>
       <p:pic>
         <p:nvPicPr>
-          <p:cNvPr id="3074" name="Picture 2" descr="C:\Users\ames\Documents\susanedge\susanedge\figures\susan_circle.png"/>
+          <p:cNvPr id="1026" name="Picture 2" descr="C:\Users\ames\Documents\susanedge\susanedge\figures\smooth_square_house.png"/>
           <p:cNvPicPr>
             <a:picLocks noChangeAspect="1" noChangeArrowheads="1"/>
           </p:cNvPicPr>
@@ -4311,15 +4512,15 @@
         </p:nvPicPr>
         <p:blipFill>
           <a:blip r:embed="rId2" cstate="print"/>
-          <a:srcRect l="14201" t="7518" r="16223" b="5400"/>
+          <a:srcRect l="15148" t="8501" r="16243" b="5698"/>
           <a:stretch>
             <a:fillRect/>
           </a:stretch>
         </p:blipFill>
         <p:spPr bwMode="auto">
           <a:xfrm>
-            <a:off x="5004048" y="2780928"/>
-            <a:ext cx="3888432" cy="3672408"/>
+            <a:off x="107504" y="2564904"/>
+            <a:ext cx="4044271" cy="3816424"/>
           </a:xfrm>
           <a:prstGeom prst="rect">
             <a:avLst/>
@@ -4329,169 +4530,23 @@
       </p:pic>
       <p:pic>
         <p:nvPicPr>
-          <p:cNvPr id="8" name="Picture 2" descr="H:\susanedge\susanedge\figures\smooth_square_susan_test.png"/>
-          <p:cNvPicPr>
-            <a:picLocks noChangeAspect="1" noChangeArrowheads="1"/>
-          </p:cNvPicPr>
-          <p:nvPr/>
-        </p:nvPicPr>
-        <p:blipFill rotWithShape="1">
-          <a:blip r:embed="rId3" cstate="print">
-            <a:extLst>
-              <a:ext uri="{28A0092B-C50C-407E-A947-70E740481C1C}">
-                <a14:useLocalDpi xmlns="" xmlns:a14="http://schemas.microsoft.com/office/drawing/2010/main" val="0"/>
-              </a:ext>
-            </a:extLst>
-          </a:blip>
-          <a:srcRect l="28299" t="8238" r="28038" b="7052"/>
-          <a:stretch/>
-        </p:blipFill>
-        <p:spPr bwMode="auto">
-          <a:xfrm>
-            <a:off x="303070" y="2852936"/>
-            <a:ext cx="3764874" cy="3675056"/>
-          </a:xfrm>
-          <a:prstGeom prst="rect">
-            <a:avLst/>
-          </a:prstGeom>
-          <a:noFill/>
-          <a:extLst>
-            <a:ext uri="{909E8E84-426E-40DD-AFC4-6F175D3DCCD1}">
-              <a14:hiddenFill xmlns="" xmlns:a14="http://schemas.microsoft.com/office/drawing/2010/main">
-                <a:solidFill>
-                  <a:srgbClr val="FFFFFF"/>
-                </a:solidFill>
-              </a14:hiddenFill>
-            </a:ext>
-          </a:extLst>
-        </p:spPr>
-      </p:pic>
-    </p:spTree>
-    <p:extLst>
-      <p:ext uri="{BB962C8B-B14F-4D97-AF65-F5344CB8AC3E}">
-        <p14:creationId xmlns="" xmlns:p14="http://schemas.microsoft.com/office/powerpoint/2010/main" val="543308162"/>
-      </p:ext>
-    </p:extLst>
-  </p:cSld>
-  <p:clrMapOvr>
-    <a:masterClrMapping/>
-  </p:clrMapOvr>
-  <p:timing>
-    <p:tnLst>
-      <p:par>
-        <p:cTn id="1" dur="indefinite" restart="never" nodeType="tmRoot"/>
-      </p:par>
-    </p:tnLst>
-  </p:timing>
-</p:sld>
-</file>
-
-<file path=ppt/slides/slide16.xml><?xml version="1.0" encoding="utf-8"?>
-<p:sld xmlns:a="http://schemas.openxmlformats.org/drawingml/2006/main" xmlns:r="http://schemas.openxmlformats.org/officeDocument/2006/relationships" xmlns:p="http://schemas.openxmlformats.org/presentationml/2006/main">
-  <p:cSld>
-    <p:spTree>
-      <p:nvGrpSpPr>
-        <p:cNvPr id="1" name=""/>
-        <p:cNvGrpSpPr/>
-        <p:nvPr/>
-      </p:nvGrpSpPr>
-      <p:grpSpPr>
-        <a:xfrm>
-          <a:off x="0" y="0"/>
-          <a:ext cx="0" cy="0"/>
-          <a:chOff x="0" y="0"/>
-          <a:chExt cx="0" cy="0"/>
-        </a:xfrm>
-      </p:grpSpPr>
-      <p:sp>
-        <p:nvSpPr>
-          <p:cNvPr id="2" name="Title 1"/>
-          <p:cNvSpPr>
-            <a:spLocks noGrp="1"/>
-          </p:cNvSpPr>
-          <p:nvPr>
-            <p:ph type="title"/>
-          </p:nvPr>
-        </p:nvSpPr>
-        <p:spPr/>
-        <p:txBody>
-          <a:bodyPr/>
-          <a:lstStyle/>
-          <a:p>
-            <a:r>
-              <a:rPr lang="en-GB" dirty="0" smtClean="0"/>
-              <a:t>Implementation</a:t>
-            </a:r>
-            <a:endParaRPr lang="en-GB" dirty="0"/>
-          </a:p>
-        </p:txBody>
-      </p:sp>
-      <p:sp>
-        <p:nvSpPr>
-          <p:cNvPr id="3" name="Content Placeholder 2"/>
-          <p:cNvSpPr>
-            <a:spLocks noGrp="1"/>
-          </p:cNvSpPr>
-          <p:nvPr>
-            <p:ph idx="1"/>
-          </p:nvPr>
-        </p:nvSpPr>
-        <p:spPr/>
-        <p:txBody>
-          <a:bodyPr/>
-          <a:lstStyle/>
-          <a:p>
-            <a:pPr marL="514350" indent="-514350">
-              <a:buFont typeface="+mj-lt"/>
-              <a:buAutoNum type="arabicPeriod" startAt="5"/>
-            </a:pPr>
-            <a:r>
-              <a:rPr lang="en-GB" dirty="0" smtClean="0"/>
-              <a:t> </a:t>
-            </a:r>
-            <a:r>
-              <a:rPr lang="en-GB" b="1" dirty="0" smtClean="0"/>
-              <a:t>Inter</a:t>
-            </a:r>
-            <a:r>
-              <a:rPr lang="en-GB" dirty="0" smtClean="0"/>
-              <a:t>-Pixel </a:t>
-            </a:r>
-            <a:r>
-              <a:rPr lang="en-GB" b="1" dirty="0" smtClean="0"/>
-              <a:t>edge direction</a:t>
-            </a:r>
-            <a:r>
-              <a:rPr lang="en-GB" dirty="0" smtClean="0"/>
-              <a:t> measurement </a:t>
-            </a:r>
-            <a:r>
-              <a:rPr lang="en-GB" dirty="0" smtClean="0"/>
-              <a:t>implemented</a:t>
-            </a:r>
-            <a:endParaRPr lang="en-GB" dirty="0" smtClean="0"/>
-          </a:p>
-        </p:txBody>
-      </p:sp>
-      <p:pic>
-        <p:nvPicPr>
-          <p:cNvPr id="4098" name="Picture 2" descr="C:\Users\ames\Documents\susanedge\susanedge\figures\step-edge.png"/>
+          <p:cNvPr id="1027" name="Picture 3" descr="C:\Users\ames\Documents\susanedge\susanedge\figures\circle_house.png"/>
           <p:cNvPicPr>
             <a:picLocks noChangeAspect="1" noChangeArrowheads="1"/>
           </p:cNvPicPr>
           <p:nvPr/>
         </p:nvPicPr>
         <p:blipFill>
-          <a:blip r:embed="rId2" cstate="print"/>
-          <a:srcRect l="9844" t="15151" r="9439" b="13262"/>
+          <a:blip r:embed="rId3" cstate="print"/>
+          <a:srcRect l="15777" t="8189" r="16580" b="4729"/>
           <a:stretch>
             <a:fillRect/>
           </a:stretch>
         </p:blipFill>
         <p:spPr bwMode="auto">
           <a:xfrm>
-            <a:off x="755576" y="2708920"/>
-            <a:ext cx="7848872" cy="3828718"/>
+            <a:off x="4860032" y="2564904"/>
+            <a:ext cx="3960440" cy="3847285"/>
           </a:xfrm>
           <a:prstGeom prst="rect">
             <a:avLst/>
@@ -4499,10 +4554,74 @@
           <a:noFill/>
         </p:spPr>
       </p:pic>
+      <p:sp>
+        <p:nvSpPr>
+          <p:cNvPr id="9" name="TextBox 8"/>
+          <p:cNvSpPr txBox="1"/>
+          <p:nvPr/>
+        </p:nvSpPr>
+        <p:spPr>
+          <a:xfrm>
+            <a:off x="1718496" y="2276872"/>
+            <a:ext cx="837280" cy="369332"/>
+          </a:xfrm>
+          <a:prstGeom prst="rect">
+            <a:avLst/>
+          </a:prstGeom>
+          <a:noFill/>
+        </p:spPr>
+        <p:txBody>
+          <a:bodyPr wrap="none" rtlCol="0">
+            <a:spAutoFit/>
+          </a:bodyPr>
+          <a:lstStyle/>
+          <a:p>
+            <a:r>
+              <a:rPr lang="en-GB" dirty="0" smtClean="0"/>
+              <a:t>S</a:t>
+            </a:r>
+            <a:r>
+              <a:rPr lang="en-GB" dirty="0" smtClean="0"/>
+              <a:t>quare</a:t>
+            </a:r>
+            <a:endParaRPr lang="en-GB" dirty="0"/>
+          </a:p>
+        </p:txBody>
+      </p:sp>
+      <p:sp>
+        <p:nvSpPr>
+          <p:cNvPr id="10" name="TextBox 9"/>
+          <p:cNvSpPr txBox="1"/>
+          <p:nvPr/>
+        </p:nvSpPr>
+        <p:spPr>
+          <a:xfrm>
+            <a:off x="6444208" y="2276872"/>
+            <a:ext cx="703847" cy="369332"/>
+          </a:xfrm>
+          <a:prstGeom prst="rect">
+            <a:avLst/>
+          </a:prstGeom>
+          <a:noFill/>
+        </p:spPr>
+        <p:txBody>
+          <a:bodyPr wrap="none" rtlCol="0">
+            <a:spAutoFit/>
+          </a:bodyPr>
+          <a:lstStyle/>
+          <a:p>
+            <a:r>
+              <a:rPr lang="en-GB" dirty="0" smtClean="0"/>
+              <a:t>Circle</a:t>
+            </a:r>
+            <a:endParaRPr lang="en-GB" dirty="0"/>
+          </a:p>
+        </p:txBody>
+      </p:sp>
     </p:spTree>
     <p:extLst>
       <p:ext uri="{BB962C8B-B14F-4D97-AF65-F5344CB8AC3E}">
-        <p14:creationId xmlns="" xmlns:p14="http://schemas.microsoft.com/office/powerpoint/2010/main" val="543308162"/>
+        <p14:creationId xmlns:p14="http://schemas.microsoft.com/office/powerpoint/2010/main" xmlns="" val="543308162"/>
       </p:ext>
     </p:extLst>
   </p:cSld>
@@ -4576,7 +4695,7 @@
           <a:p>
             <a:pPr marL="514350" indent="-514350">
               <a:buFont typeface="+mj-lt"/>
-              <a:buAutoNum type="arabicPeriod" startAt="6"/>
+              <a:buAutoNum type="arabicPeriod" startAt="5"/>
             </a:pPr>
             <a:r>
               <a:rPr lang="en-GB" dirty="0" smtClean="0"/>
@@ -4584,31 +4703,26 @@
             </a:r>
             <a:r>
               <a:rPr lang="en-GB" b="1" dirty="0" smtClean="0"/>
-              <a:t>Intra</a:t>
+              <a:t>E</a:t>
+            </a:r>
+            <a:r>
+              <a:rPr lang="en-GB" b="1" dirty="0" smtClean="0"/>
+              <a:t>dge </a:t>
+            </a:r>
+            <a:r>
+              <a:rPr lang="en-GB" b="1" dirty="0" smtClean="0"/>
+              <a:t>direction</a:t>
             </a:r>
             <a:r>
               <a:rPr lang="en-GB" dirty="0" smtClean="0"/>
-              <a:t>-Pixel </a:t>
-            </a:r>
-            <a:r>
-              <a:rPr lang="en-GB" b="1" dirty="0" smtClean="0"/>
-              <a:t>edge direction</a:t>
-            </a:r>
-            <a:r>
-              <a:rPr lang="en-GB" dirty="0" smtClean="0"/>
-              <a:t> measurement </a:t>
-            </a:r>
-            <a:r>
-              <a:rPr lang="en-GB" dirty="0" smtClean="0"/>
-              <a:t>implemented</a:t>
-            </a:r>
-            <a:endParaRPr lang="en-GB" dirty="0" smtClean="0"/>
+              <a:t> measurement implemented</a:t>
+            </a:r>
           </a:p>
         </p:txBody>
       </p:sp>
       <p:pic>
         <p:nvPicPr>
-          <p:cNvPr id="5122" name="Picture 2" descr="C:\Users\ames\Documents\susanedge\susanedge\figures\band-edge.png"/>
+          <p:cNvPr id="2050" name="Picture 2" descr="C:\Users\ames\Documents\susanedge\susanedge\figures\edge_dir.png"/>
           <p:cNvPicPr>
             <a:picLocks noChangeAspect="1" noChangeArrowheads="1"/>
           </p:cNvPicPr>
@@ -4616,15 +4730,15 @@
         </p:nvPicPr>
         <p:blipFill>
           <a:blip r:embed="rId2" cstate="print"/>
-          <a:srcRect l="7731" t="9676" r="8199" b="7114"/>
+          <a:srcRect l="10226" t="16295" r="10040" b="13908"/>
           <a:stretch>
             <a:fillRect/>
           </a:stretch>
         </p:blipFill>
         <p:spPr bwMode="auto">
           <a:xfrm>
-            <a:off x="539552" y="2636912"/>
-            <a:ext cx="8158674" cy="4032448"/>
+            <a:off x="683568" y="2420888"/>
+            <a:ext cx="7719990" cy="3717032"/>
           </a:xfrm>
           <a:prstGeom prst="rect">
             <a:avLst/>
@@ -4635,7 +4749,7 @@
     </p:spTree>
     <p:extLst>
       <p:ext uri="{BB962C8B-B14F-4D97-AF65-F5344CB8AC3E}">
-        <p14:creationId xmlns="" xmlns:p14="http://schemas.microsoft.com/office/powerpoint/2010/main" val="543308162"/>
+        <p14:creationId xmlns:p14="http://schemas.microsoft.com/office/powerpoint/2010/main" xmlns="" val="543308162"/>
       </p:ext>
     </p:extLst>
   </p:cSld>
@@ -4669,79 +4783,9 @@
           <a:chExt cx="0" cy="0"/>
         </a:xfrm>
       </p:grpSpPr>
-      <p:sp>
-        <p:nvSpPr>
-          <p:cNvPr id="2" name="Title 1"/>
-          <p:cNvSpPr>
-            <a:spLocks noGrp="1"/>
-          </p:cNvSpPr>
-          <p:nvPr>
-            <p:ph type="title"/>
-          </p:nvPr>
-        </p:nvSpPr>
-        <p:spPr/>
-        <p:txBody>
-          <a:bodyPr/>
-          <a:lstStyle/>
-          <a:p>
-            <a:r>
-              <a:rPr lang="en-GB" dirty="0" smtClean="0"/>
-              <a:t>Implementation</a:t>
-            </a:r>
-            <a:endParaRPr lang="en-GB" dirty="0"/>
-          </a:p>
-        </p:txBody>
-      </p:sp>
-      <p:sp>
-        <p:nvSpPr>
-          <p:cNvPr id="3" name="Content Placeholder 2"/>
-          <p:cNvSpPr>
-            <a:spLocks noGrp="1"/>
-          </p:cNvSpPr>
-          <p:nvPr>
-            <p:ph idx="1"/>
-          </p:nvPr>
-        </p:nvSpPr>
-        <p:spPr/>
-        <p:txBody>
-          <a:bodyPr/>
-          <a:lstStyle/>
-          <a:p>
-            <a:pPr marL="514350" indent="-514350">
-              <a:buFont typeface="+mj-lt"/>
-              <a:buAutoNum type="arabicPeriod" startAt="7"/>
-            </a:pPr>
-            <a:r>
-              <a:rPr lang="en-GB" dirty="0" smtClean="0"/>
-              <a:t> Intra &amp; Inter e</a:t>
-            </a:r>
-            <a:r>
-              <a:rPr lang="en-GB" dirty="0" smtClean="0"/>
-              <a:t>dge</a:t>
-            </a:r>
-            <a:r>
-              <a:rPr lang="en-GB" b="1" dirty="0" smtClean="0"/>
-              <a:t> </a:t>
-            </a:r>
-            <a:r>
-              <a:rPr lang="en-GB" dirty="0" smtClean="0"/>
-              <a:t>direction</a:t>
-            </a:r>
-            <a:r>
-              <a:rPr lang="en-GB" b="1" dirty="0" smtClean="0"/>
-              <a:t> </a:t>
-            </a:r>
-            <a:r>
-              <a:rPr lang="en-GB" b="1" dirty="0" smtClean="0"/>
-              <a:t>integrated</a:t>
-            </a:r>
-            <a:endParaRPr lang="en-GB" b="1" dirty="0" smtClean="0"/>
-          </a:p>
-        </p:txBody>
-      </p:sp>
       <p:pic>
         <p:nvPicPr>
-          <p:cNvPr id="6" name="Picture 2" descr="C:\Users\ames\Documents\susanedge\susanedge\figures\edge-dir.png"/>
+          <p:cNvPr id="3075" name="Picture 3" descr="C:\Users\ames\Documents\susanedge\susanedge\figures\non-max-house.png"/>
           <p:cNvPicPr>
             <a:picLocks noChangeAspect="1" noChangeArrowheads="1"/>
           </p:cNvPicPr>
@@ -4749,15 +4793,15 @@
         </p:nvPicPr>
         <p:blipFill>
           <a:blip r:embed="rId2" cstate="print"/>
-          <a:srcRect l="11156" t="14150" r="9439" b="13255"/>
+          <a:srcRect l="16084" t="8275" r="16273" b="4643"/>
           <a:stretch>
             <a:fillRect/>
           </a:stretch>
         </p:blipFill>
         <p:spPr bwMode="auto">
           <a:xfrm>
-            <a:off x="899591" y="2694637"/>
-            <a:ext cx="7560841" cy="3686691"/>
+            <a:off x="5004048" y="2681537"/>
+            <a:ext cx="3960440" cy="3847284"/>
           </a:xfrm>
           <a:prstGeom prst="rect">
             <a:avLst/>
@@ -4765,10 +4809,196 @@
           <a:noFill/>
         </p:spPr>
       </p:pic>
+      <p:sp>
+        <p:nvSpPr>
+          <p:cNvPr id="2" name="Title 1"/>
+          <p:cNvSpPr>
+            <a:spLocks noGrp="1"/>
+          </p:cNvSpPr>
+          <p:nvPr>
+            <p:ph type="title"/>
+          </p:nvPr>
+        </p:nvSpPr>
+        <p:spPr/>
+        <p:txBody>
+          <a:bodyPr/>
+          <a:lstStyle/>
+          <a:p>
+            <a:r>
+              <a:rPr lang="en-GB" dirty="0" smtClean="0"/>
+              <a:t>Implementation</a:t>
+            </a:r>
+            <a:endParaRPr lang="en-GB" dirty="0"/>
+          </a:p>
+        </p:txBody>
+      </p:sp>
+      <p:sp>
+        <p:nvSpPr>
+          <p:cNvPr id="3" name="Content Placeholder 2"/>
+          <p:cNvSpPr>
+            <a:spLocks noGrp="1"/>
+          </p:cNvSpPr>
+          <p:nvPr>
+            <p:ph idx="1"/>
+          </p:nvPr>
+        </p:nvSpPr>
+        <p:spPr>
+          <a:xfrm>
+            <a:off x="457200" y="1340768"/>
+            <a:ext cx="8229600" cy="4525963"/>
+          </a:xfrm>
+        </p:spPr>
+        <p:txBody>
+          <a:bodyPr/>
+          <a:lstStyle/>
+          <a:p>
+            <a:pPr marL="514350" indent="-514350">
+              <a:buFont typeface="+mj-lt"/>
+              <a:buAutoNum type="arabicPeriod" startAt="6"/>
+            </a:pPr>
+            <a:r>
+              <a:rPr lang="en-GB" dirty="0" smtClean="0"/>
+              <a:t> </a:t>
+            </a:r>
+            <a:r>
+              <a:rPr lang="en-GB" dirty="0" smtClean="0"/>
+              <a:t>Attempted to implement </a:t>
+            </a:r>
+            <a:r>
+              <a:rPr lang="en-GB" b="1" dirty="0" smtClean="0"/>
+              <a:t>non-maximal suppression</a:t>
+            </a:r>
+            <a:endParaRPr lang="en-GB" b="1" dirty="0" smtClean="0"/>
+          </a:p>
+        </p:txBody>
+      </p:sp>
+      <p:cxnSp>
+        <p:nvCxnSpPr>
+          <p:cNvPr id="6" name="Straight Arrow Connector 5"/>
+          <p:cNvCxnSpPr/>
+          <p:nvPr/>
+        </p:nvCxnSpPr>
+        <p:spPr>
+          <a:xfrm>
+            <a:off x="4211960" y="4581128"/>
+            <a:ext cx="648072" cy="0"/>
+          </a:xfrm>
+          <a:prstGeom prst="straightConnector1">
+            <a:avLst/>
+          </a:prstGeom>
+          <a:ln w="57150">
+            <a:solidFill>
+              <a:schemeClr val="tx1"/>
+            </a:solidFill>
+            <a:headEnd type="none" w="med" len="med"/>
+            <a:tailEnd type="triangle" w="med" len="med"/>
+          </a:ln>
+        </p:spPr>
+        <p:style>
+          <a:lnRef idx="1">
+            <a:schemeClr val="accent1"/>
+          </a:lnRef>
+          <a:fillRef idx="0">
+            <a:schemeClr val="accent1"/>
+          </a:fillRef>
+          <a:effectRef idx="0">
+            <a:schemeClr val="accent1"/>
+          </a:effectRef>
+          <a:fontRef idx="minor">
+            <a:schemeClr val="tx1"/>
+          </a:fontRef>
+        </p:style>
+      </p:cxnSp>
+      <p:pic>
+        <p:nvPicPr>
+          <p:cNvPr id="8" name="Picture 3" descr="C:\Users\ames\Documents\susanedge\susanedge\figures\circle_house.png"/>
+          <p:cNvPicPr>
+            <a:picLocks noChangeAspect="1" noChangeArrowheads="1"/>
+          </p:cNvPicPr>
+          <p:nvPr/>
+        </p:nvPicPr>
+        <p:blipFill>
+          <a:blip r:embed="rId3" cstate="print"/>
+          <a:srcRect l="15777" t="8189" r="16580" b="4729"/>
+          <a:stretch>
+            <a:fillRect/>
+          </a:stretch>
+        </p:blipFill>
+        <p:spPr bwMode="auto">
+          <a:xfrm>
+            <a:off x="251520" y="2636912"/>
+            <a:ext cx="3960440" cy="3847285"/>
+          </a:xfrm>
+          <a:prstGeom prst="rect">
+            <a:avLst/>
+          </a:prstGeom>
+          <a:noFill/>
+        </p:spPr>
+      </p:pic>
+      <p:sp>
+        <p:nvSpPr>
+          <p:cNvPr id="9" name="TextBox 8"/>
+          <p:cNvSpPr txBox="1"/>
+          <p:nvPr/>
+        </p:nvSpPr>
+        <p:spPr>
+          <a:xfrm>
+            <a:off x="1475656" y="2276872"/>
+            <a:ext cx="1336713" cy="369332"/>
+          </a:xfrm>
+          <a:prstGeom prst="rect">
+            <a:avLst/>
+          </a:prstGeom>
+          <a:noFill/>
+        </p:spPr>
+        <p:txBody>
+          <a:bodyPr wrap="none" rtlCol="0">
+            <a:spAutoFit/>
+          </a:bodyPr>
+          <a:lstStyle/>
+          <a:p>
+            <a:r>
+              <a:rPr lang="en-GB" dirty="0" smtClean="0"/>
+              <a:t>No non-max</a:t>
+            </a:r>
+            <a:endParaRPr lang="en-GB" dirty="0"/>
+          </a:p>
+        </p:txBody>
+      </p:sp>
+      <p:sp>
+        <p:nvSpPr>
+          <p:cNvPr id="10" name="TextBox 9"/>
+          <p:cNvSpPr txBox="1"/>
+          <p:nvPr/>
+        </p:nvSpPr>
+        <p:spPr>
+          <a:xfrm>
+            <a:off x="5868144" y="2276872"/>
+            <a:ext cx="2269852" cy="369332"/>
+          </a:xfrm>
+          <a:prstGeom prst="rect">
+            <a:avLst/>
+          </a:prstGeom>
+          <a:noFill/>
+        </p:spPr>
+        <p:txBody>
+          <a:bodyPr wrap="none" rtlCol="0">
+            <a:spAutoFit/>
+          </a:bodyPr>
+          <a:lstStyle/>
+          <a:p>
+            <a:r>
+              <a:rPr lang="en-GB" dirty="0" smtClean="0"/>
+              <a:t>Non-max suppression </a:t>
+            </a:r>
+            <a:endParaRPr lang="en-GB" dirty="0"/>
+          </a:p>
+        </p:txBody>
+      </p:sp>
     </p:spTree>
     <p:extLst>
       <p:ext uri="{BB962C8B-B14F-4D97-AF65-F5344CB8AC3E}">
-        <p14:creationId xmlns="" xmlns:p14="http://schemas.microsoft.com/office/powerpoint/2010/main" val="543308162"/>
+        <p14:creationId xmlns:p14="http://schemas.microsoft.com/office/powerpoint/2010/main" xmlns="" val="543308162"/>
       </p:ext>
     </p:extLst>
   </p:cSld>
@@ -5108,7 +5338,7 @@
     </p:spTree>
     <p:extLst>
       <p:ext uri="{BB962C8B-B14F-4D97-AF65-F5344CB8AC3E}">
-        <p14:creationId xmlns="" xmlns:p14="http://schemas.microsoft.com/office/powerpoint/2010/main" val="3044184147"/>
+        <p14:creationId xmlns:p14="http://schemas.microsoft.com/office/powerpoint/2010/main" xmlns="" val="3044184147"/>
       </p:ext>
     </p:extLst>
   </p:cSld>
@@ -5626,17 +5856,7 @@
                 <a:latin typeface="Consolas" pitchFamily="49" charset="0"/>
                 <a:cs typeface="Consolas" pitchFamily="49" charset="0"/>
               </a:rPr>
-              <a:t>130321   </a:t>
-            </a:r>
-            <a:r>
-              <a:rPr lang="en-GB" sz="1400" dirty="0" smtClean="0">
-                <a:solidFill>
-                  <a:schemeClr val="bg1"/>
-                </a:solidFill>
-                <a:latin typeface="Consolas" pitchFamily="49" charset="0"/>
-                <a:cs typeface="Consolas" pitchFamily="49" charset="0"/>
-              </a:rPr>
-              <a:t>45.999    0.000   92.756    0.001 susanedge.py:15(</a:t>
+              <a:t>130321   45.999    0.000   92.756    0.001 susanedge.py:15(</a:t>
             </a:r>
             <a:r>
               <a:rPr lang="en-GB" sz="1400" dirty="0" err="1" smtClean="0">
@@ -5878,7 +6098,7 @@
     </p:spTree>
     <p:extLst>
       <p:ext uri="{BB962C8B-B14F-4D97-AF65-F5344CB8AC3E}">
-        <p14:creationId xmlns="" xmlns:p14="http://schemas.microsoft.com/office/powerpoint/2010/main" val="2001286214"/>
+        <p14:creationId xmlns:p14="http://schemas.microsoft.com/office/powerpoint/2010/main" xmlns="" val="2001286214"/>
       </p:ext>
     </p:extLst>
   </p:cSld>
@@ -5929,7 +6149,7 @@
           <a:p>
             <a:r>
               <a:rPr lang="en-GB" dirty="0" smtClean="0"/>
-              <a:t>Experimentation</a:t>
+              <a:t>Results</a:t>
             </a:r>
             <a:endParaRPr lang="en-GB" dirty="0"/>
           </a:p>
@@ -5957,7 +6177,7 @@
     </p:spTree>
     <p:extLst>
       <p:ext uri="{BB962C8B-B14F-4D97-AF65-F5344CB8AC3E}">
-        <p14:creationId xmlns="" xmlns:p14="http://schemas.microsoft.com/office/powerpoint/2010/main" val="378800283"/>
+        <p14:creationId xmlns:p14="http://schemas.microsoft.com/office/powerpoint/2010/main" xmlns="" val="2697055445"/>
       </p:ext>
     </p:extLst>
   </p:cSld>
@@ -5998,7 +6218,7 @@
             <a:spLocks noGrp="1"/>
           </p:cNvSpPr>
           <p:nvPr>
-            <p:ph type="ctrTitle"/>
+            <p:ph type="title"/>
           </p:nvPr>
         </p:nvSpPr>
         <p:spPr/>
@@ -6008,48 +6228,137 @@
           <a:p>
             <a:r>
               <a:rPr lang="en-GB" dirty="0" smtClean="0"/>
-              <a:t>Comparison</a:t>
+              <a:t>Results</a:t>
             </a:r>
             <a:endParaRPr lang="en-GB" dirty="0"/>
           </a:p>
         </p:txBody>
       </p:sp>
-      <p:sp>
-        <p:nvSpPr>
-          <p:cNvPr id="4" name="Subtitle 3"/>
-          <p:cNvSpPr>
-            <a:spLocks noGrp="1"/>
-          </p:cNvSpPr>
-          <p:nvPr>
-            <p:ph type="subTitle" idx="1"/>
-          </p:nvPr>
-        </p:nvSpPr>
-        <p:spPr/>
-        <p:txBody>
-          <a:bodyPr/>
-          <a:lstStyle/>
-          <a:p>
-            <a:endParaRPr lang="en-GB"/>
+      <p:pic>
+        <p:nvPicPr>
+          <p:cNvPr id="5122" name="Picture 2" descr="C:\Users\ames\Documents\susanedge\susanedge\figures\susan_circle.png"/>
+          <p:cNvPicPr>
+            <a:picLocks noChangeAspect="1" noChangeArrowheads="1"/>
+          </p:cNvPicPr>
+          <p:nvPr/>
+        </p:nvPicPr>
+        <p:blipFill>
+          <a:blip r:embed="rId2" cstate="print"/>
+          <a:srcRect l="15166" t="7884" r="17191" b="5034"/>
+          <a:stretch>
+            <a:fillRect/>
+          </a:stretch>
+        </p:blipFill>
+        <p:spPr bwMode="auto">
+          <a:xfrm>
+            <a:off x="4499992" y="1772816"/>
+            <a:ext cx="4373427" cy="4248472"/>
+          </a:xfrm>
+          <a:prstGeom prst="rect">
+            <a:avLst/>
+          </a:prstGeom>
+          <a:noFill/>
+        </p:spPr>
+      </p:pic>
+      <p:pic>
+        <p:nvPicPr>
+          <p:cNvPr id="5124" name="Picture 4" descr="http://users.fmrib.ox.ac.uk/~steve/susan/susan/img75.gif"/>
+          <p:cNvPicPr>
+            <a:picLocks noChangeAspect="1" noChangeArrowheads="1"/>
+          </p:cNvPicPr>
+          <p:nvPr/>
+        </p:nvPicPr>
+        <p:blipFill>
+          <a:blip r:embed="rId3" cstate="print"/>
+          <a:srcRect/>
+          <a:stretch>
+            <a:fillRect/>
+          </a:stretch>
+        </p:blipFill>
+        <p:spPr bwMode="auto">
+          <a:xfrm>
+            <a:off x="251520" y="1844824"/>
+            <a:ext cx="4032447" cy="4032448"/>
+          </a:xfrm>
+          <a:prstGeom prst="rect">
+            <a:avLst/>
+          </a:prstGeom>
+          <a:noFill/>
+        </p:spPr>
+      </p:pic>
+      <p:sp>
+        <p:nvSpPr>
+          <p:cNvPr id="6" name="TextBox 5"/>
+          <p:cNvSpPr txBox="1"/>
+          <p:nvPr/>
+        </p:nvSpPr>
+        <p:spPr>
+          <a:xfrm>
+            <a:off x="1691680" y="1412776"/>
+            <a:ext cx="944041" cy="461665"/>
+          </a:xfrm>
+          <a:prstGeom prst="rect">
+            <a:avLst/>
+          </a:prstGeom>
+          <a:noFill/>
+        </p:spPr>
+        <p:txBody>
+          <a:bodyPr wrap="none" rtlCol="0">
+            <a:spAutoFit/>
+          </a:bodyPr>
+          <a:lstStyle/>
+          <a:p>
+            <a:r>
+              <a:rPr lang="en-GB" sz="2400" dirty="0" smtClean="0"/>
+              <a:t>Theirs</a:t>
+            </a:r>
+            <a:endParaRPr lang="en-GB" sz="2400" dirty="0"/>
+          </a:p>
+        </p:txBody>
+      </p:sp>
+      <p:sp>
+        <p:nvSpPr>
+          <p:cNvPr id="7" name="TextBox 6"/>
+          <p:cNvSpPr txBox="1"/>
+          <p:nvPr/>
+        </p:nvSpPr>
+        <p:spPr>
+          <a:xfrm>
+            <a:off x="5148064" y="1052736"/>
+            <a:ext cx="3433440" cy="830997"/>
+          </a:xfrm>
+          <a:prstGeom prst="rect">
+            <a:avLst/>
+          </a:prstGeom>
+          <a:noFill/>
+        </p:spPr>
+        <p:txBody>
+          <a:bodyPr wrap="none" rtlCol="0">
+            <a:spAutoFit/>
+          </a:bodyPr>
+          <a:lstStyle/>
+          <a:p>
+            <a:pPr algn="ctr"/>
+            <a:r>
+              <a:rPr lang="en-GB" sz="2400" dirty="0" smtClean="0"/>
+              <a:t>Ours</a:t>
+            </a:r>
+          </a:p>
+          <a:p>
+            <a:pPr algn="ctr"/>
+            <a:r>
+              <a:rPr lang="en-GB" sz="2400" dirty="0" smtClean="0"/>
+              <a:t>(no non-max suppression)</a:t>
+            </a:r>
+            <a:endParaRPr lang="en-GB" sz="2400" dirty="0"/>
           </a:p>
         </p:txBody>
       </p:sp>
     </p:spTree>
-    <p:extLst>
-      <p:ext uri="{BB962C8B-B14F-4D97-AF65-F5344CB8AC3E}">
-        <p14:creationId xmlns="" xmlns:p14="http://schemas.microsoft.com/office/powerpoint/2010/main" val="2697055445"/>
-      </p:ext>
-    </p:extLst>
   </p:cSld>
   <p:clrMapOvr>
     <a:masterClrMapping/>
   </p:clrMapOvr>
-  <p:timing>
-    <p:tnLst>
-      <p:par>
-        <p:cTn id="1" dur="indefinite" restart="never" nodeType="tmRoot"/>
-      </p:par>
-    </p:tnLst>
-  </p:timing>
 </p:sld>
 </file>
 
@@ -6070,6 +6379,178 @@
           <a:chExt cx="0" cy="0"/>
         </a:xfrm>
       </p:grpSpPr>
+      <p:pic>
+        <p:nvPicPr>
+          <p:cNvPr id="3075" name="Picture 3" descr="C:\Users\ames\Documents\susanedge\susanedge\figures\non-max-house.png"/>
+          <p:cNvPicPr>
+            <a:picLocks noChangeAspect="1" noChangeArrowheads="1"/>
+          </p:cNvPicPr>
+          <p:nvPr/>
+        </p:nvPicPr>
+        <p:blipFill>
+          <a:blip r:embed="rId2" cstate="print"/>
+          <a:srcRect l="16084" t="8275" r="16273" b="4643"/>
+          <a:stretch>
+            <a:fillRect/>
+          </a:stretch>
+        </p:blipFill>
+        <p:spPr bwMode="auto">
+          <a:xfrm>
+            <a:off x="5004048" y="2249489"/>
+            <a:ext cx="3960440" cy="3847284"/>
+          </a:xfrm>
+          <a:prstGeom prst="rect">
+            <a:avLst/>
+          </a:prstGeom>
+          <a:noFill/>
+        </p:spPr>
+      </p:pic>
+      <p:sp>
+        <p:nvSpPr>
+          <p:cNvPr id="2" name="Title 1"/>
+          <p:cNvSpPr>
+            <a:spLocks noGrp="1"/>
+          </p:cNvSpPr>
+          <p:nvPr>
+            <p:ph type="title"/>
+          </p:nvPr>
+        </p:nvSpPr>
+        <p:spPr/>
+        <p:txBody>
+          <a:bodyPr/>
+          <a:lstStyle/>
+          <a:p>
+            <a:r>
+              <a:rPr lang="en-GB" dirty="0" smtClean="0"/>
+              <a:t>Results</a:t>
+            </a:r>
+            <a:endParaRPr lang="en-GB" dirty="0"/>
+          </a:p>
+        </p:txBody>
+      </p:sp>
+      <p:pic>
+        <p:nvPicPr>
+          <p:cNvPr id="8" name="Picture 3" descr="C:\Users\ames\Documents\susanedge\susanedge\figures\circle_house.png"/>
+          <p:cNvPicPr>
+            <a:picLocks noChangeAspect="1" noChangeArrowheads="1"/>
+          </p:cNvPicPr>
+          <p:nvPr/>
+        </p:nvPicPr>
+        <p:blipFill>
+          <a:blip r:embed="rId3" cstate="print"/>
+          <a:srcRect l="15777" t="8189" r="16580" b="4729"/>
+          <a:stretch>
+            <a:fillRect/>
+          </a:stretch>
+        </p:blipFill>
+        <p:spPr bwMode="auto">
+          <a:xfrm>
+            <a:off x="251520" y="2204864"/>
+            <a:ext cx="3960440" cy="3847285"/>
+          </a:xfrm>
+          <a:prstGeom prst="rect">
+            <a:avLst/>
+          </a:prstGeom>
+          <a:noFill/>
+        </p:spPr>
+      </p:pic>
+      <p:sp>
+        <p:nvSpPr>
+          <p:cNvPr id="9" name="TextBox 8"/>
+          <p:cNvSpPr txBox="1"/>
+          <p:nvPr/>
+        </p:nvSpPr>
+        <p:spPr>
+          <a:xfrm>
+            <a:off x="1475656" y="1844824"/>
+            <a:ext cx="1717458" cy="461665"/>
+          </a:xfrm>
+          <a:prstGeom prst="rect">
+            <a:avLst/>
+          </a:prstGeom>
+          <a:noFill/>
+        </p:spPr>
+        <p:txBody>
+          <a:bodyPr wrap="none" rtlCol="0">
+            <a:spAutoFit/>
+          </a:bodyPr>
+          <a:lstStyle/>
+          <a:p>
+            <a:r>
+              <a:rPr lang="en-GB" sz="2400" dirty="0" smtClean="0"/>
+              <a:t>No non-max</a:t>
+            </a:r>
+            <a:endParaRPr lang="en-GB" sz="2400" dirty="0"/>
+          </a:p>
+        </p:txBody>
+      </p:sp>
+      <p:sp>
+        <p:nvSpPr>
+          <p:cNvPr id="10" name="TextBox 9"/>
+          <p:cNvSpPr txBox="1"/>
+          <p:nvPr/>
+        </p:nvSpPr>
+        <p:spPr>
+          <a:xfrm>
+            <a:off x="5652120" y="1844824"/>
+            <a:ext cx="2960554" cy="461665"/>
+          </a:xfrm>
+          <a:prstGeom prst="rect">
+            <a:avLst/>
+          </a:prstGeom>
+          <a:noFill/>
+        </p:spPr>
+        <p:txBody>
+          <a:bodyPr wrap="none" rtlCol="0">
+            <a:spAutoFit/>
+          </a:bodyPr>
+          <a:lstStyle/>
+          <a:p>
+            <a:r>
+              <a:rPr lang="en-GB" sz="2400" dirty="0" smtClean="0"/>
+              <a:t>Non-max suppression </a:t>
+            </a:r>
+            <a:endParaRPr lang="en-GB" sz="2400" dirty="0"/>
+          </a:p>
+        </p:txBody>
+      </p:sp>
+    </p:spTree>
+    <p:extLst>
+      <p:ext uri="{BB962C8B-B14F-4D97-AF65-F5344CB8AC3E}">
+        <p14:creationId xmlns:p14="http://schemas.microsoft.com/office/powerpoint/2010/main" xmlns="" val="543308162"/>
+      </p:ext>
+    </p:extLst>
+  </p:cSld>
+  <p:clrMapOvr>
+    <a:masterClrMapping/>
+  </p:clrMapOvr>
+  <p:timing>
+    <p:tnLst>
+      <p:par>
+        <p:cTn id="1" dur="indefinite" restart="never" nodeType="tmRoot"/>
+      </p:par>
+    </p:tnLst>
+  </p:timing>
+</p:sld>
+</file>
+
+<file path=ppt/slides/slide25.xml><?xml version="1.0" encoding="utf-8"?>
+<p:sld xmlns:a="http://schemas.openxmlformats.org/drawingml/2006/main" xmlns:r="http://schemas.openxmlformats.org/officeDocument/2006/relationships" xmlns:p="http://schemas.openxmlformats.org/presentationml/2006/main">
+  <p:cSld>
+    <p:spTree>
+      <p:nvGrpSpPr>
+        <p:cNvPr id="1" name=""/>
+        <p:cNvGrpSpPr/>
+        <p:nvPr/>
+      </p:nvGrpSpPr>
+      <p:grpSpPr>
+        <a:xfrm>
+          <a:off x="0" y="0"/>
+          <a:ext cx="0" cy="0"/>
+          <a:chOff x="0" y="0"/>
+          <a:chExt cx="0" cy="0"/>
+        </a:xfrm>
+      </p:grpSpPr>
       <p:sp>
         <p:nvSpPr>
           <p:cNvPr id="2" name="Title 1"/>
@@ -6124,7 +6605,7 @@
     </p:spTree>
     <p:extLst>
       <p:ext uri="{BB962C8B-B14F-4D97-AF65-F5344CB8AC3E}">
-        <p14:creationId xmlns="" xmlns:p14="http://schemas.microsoft.com/office/powerpoint/2010/main" val="1568749011"/>
+        <p14:creationId xmlns:p14="http://schemas.microsoft.com/office/powerpoint/2010/main" xmlns="" val="1568749011"/>
       </p:ext>
     </p:extLst>
   </p:cSld>
@@ -6203,7 +6684,7 @@
     </p:spTree>
     <p:extLst>
       <p:ext uri="{BB962C8B-B14F-4D97-AF65-F5344CB8AC3E}">
-        <p14:creationId xmlns="" xmlns:p14="http://schemas.microsoft.com/office/powerpoint/2010/main" val="2118226303"/>
+        <p14:creationId xmlns:p14="http://schemas.microsoft.com/office/powerpoint/2010/main" xmlns="" val="2118226303"/>
       </p:ext>
     </p:extLst>
   </p:cSld>
@@ -6987,7 +7468,7 @@
     </p:spTree>
     <p:extLst>
       <p:ext uri="{BB962C8B-B14F-4D97-AF65-F5344CB8AC3E}">
-        <p14:creationId xmlns="" xmlns:p14="http://schemas.microsoft.com/office/powerpoint/2010/main" val="2813178390"/>
+        <p14:creationId xmlns:p14="http://schemas.microsoft.com/office/powerpoint/2010/main" xmlns="" val="2813178390"/>
       </p:ext>
     </p:extLst>
   </p:cSld>
@@ -7139,7 +7620,7 @@
           <a:blip r:embed="rId2" cstate="print">
             <a:extLst>
               <a:ext uri="{28A0092B-C50C-407E-A947-70E740481C1C}">
-                <a14:useLocalDpi xmlns="" xmlns:a14="http://schemas.microsoft.com/office/drawing/2010/main" val="0"/>
+                <a14:useLocalDpi xmlns:a14="http://schemas.microsoft.com/office/drawing/2010/main" xmlns="" val="0"/>
               </a:ext>
             </a:extLst>
           </a:blip>
@@ -7163,14 +7644,14 @@
           <a:effectLst/>
           <a:extLst>
             <a:ext uri="{909E8E84-426E-40DD-AFC4-6F175D3DCCD1}">
-              <a14:hiddenFill xmlns="" xmlns:a14="http://schemas.microsoft.com/office/drawing/2010/main">
+              <a14:hiddenFill xmlns:a14="http://schemas.microsoft.com/office/drawing/2010/main" xmlns="">
                 <a:solidFill>
                   <a:schemeClr val="accent1"/>
                 </a:solidFill>
               </a14:hiddenFill>
             </a:ext>
             <a:ext uri="{91240B29-F687-4F45-9708-019B960494DF}">
-              <a14:hiddenLine xmlns="" xmlns:a14="http://schemas.microsoft.com/office/drawing/2010/main" w="9525">
+              <a14:hiddenLine xmlns:a14="http://schemas.microsoft.com/office/drawing/2010/main" xmlns="" w="9525">
                 <a:solidFill>
                   <a:schemeClr val="tx1"/>
                 </a:solidFill>
@@ -7180,7 +7661,7 @@
               </a14:hiddenLine>
             </a:ext>
             <a:ext uri="{AF507438-7753-43E0-B8FC-AC1667EBCBE1}">
-              <a14:hiddenEffects xmlns="" xmlns:a14="http://schemas.microsoft.com/office/drawing/2010/main">
+              <a14:hiddenEffects xmlns:a14="http://schemas.microsoft.com/office/drawing/2010/main" xmlns="">
                 <a:effectLst>
                   <a:outerShdw dist="35921" dir="2700000" algn="ctr" rotWithShape="0">
                     <a:schemeClr val="bg2"/>
@@ -7369,7 +7850,7 @@
     </p:spTree>
     <p:extLst>
       <p:ext uri="{BB962C8B-B14F-4D97-AF65-F5344CB8AC3E}">
-        <p14:creationId xmlns="" xmlns:p14="http://schemas.microsoft.com/office/powerpoint/2010/main" val="4186463740"/>
+        <p14:creationId xmlns:p14="http://schemas.microsoft.com/office/powerpoint/2010/main" xmlns="" val="4186463740"/>
       </p:ext>
     </p:extLst>
   </p:cSld>
@@ -7451,11 +7932,7 @@
             </a:r>
             <a:r>
               <a:rPr lang="en-GB" dirty="0" smtClean="0"/>
-              <a:t> approach to </a:t>
-            </a:r>
-            <a:r>
-              <a:rPr lang="en-GB" dirty="0" smtClean="0"/>
-              <a:t>implementation</a:t>
+              <a:t> approach to implementation</a:t>
             </a:r>
           </a:p>
           <a:p>
@@ -7471,7 +7948,7 @@
     </p:spTree>
     <p:extLst>
       <p:ext uri="{BB962C8B-B14F-4D97-AF65-F5344CB8AC3E}">
-        <p14:creationId xmlns="" xmlns:p14="http://schemas.microsoft.com/office/powerpoint/2010/main" val="1216218812"/>
+        <p14:creationId xmlns:p14="http://schemas.microsoft.com/office/powerpoint/2010/main" xmlns="" val="1216218812"/>
       </p:ext>
     </p:extLst>
   </p:cSld>
@@ -7591,7 +8068,7 @@
       </p:sp>
       <p:pic>
         <p:nvPicPr>
-          <p:cNvPr id="9" name="Picture 5"/>
+          <p:cNvPr id="5" name="Picture 2"/>
           <p:cNvPicPr>
             <a:picLocks noChangeAspect="1" noChangeArrowheads="1"/>
           </p:cNvPicPr>
@@ -7606,8 +8083,8 @@
         </p:blipFill>
         <p:spPr bwMode="auto">
           <a:xfrm>
-            <a:off x="1187624" y="2780928"/>
-            <a:ext cx="6166171" cy="3672408"/>
+            <a:off x="1763688" y="3284984"/>
+            <a:ext cx="4995160" cy="2632181"/>
           </a:xfrm>
           <a:prstGeom prst="rect">
             <a:avLst/>
@@ -7621,10 +8098,47 @@
           </a:ln>
         </p:spPr>
       </p:pic>
+      <p:cxnSp>
+        <p:nvCxnSpPr>
+          <p:cNvPr id="6" name="Straight Arrow Connector 5"/>
+          <p:cNvCxnSpPr/>
+          <p:nvPr/>
+        </p:nvCxnSpPr>
+        <p:spPr>
+          <a:xfrm flipV="1">
+            <a:off x="5436096" y="2924944"/>
+            <a:ext cx="1224136" cy="864096"/>
+          </a:xfrm>
+          <a:prstGeom prst="straightConnector1">
+            <a:avLst/>
+          </a:prstGeom>
+          <a:ln w="57150">
+            <a:solidFill>
+              <a:srgbClr val="FF0000"/>
+            </a:solidFill>
+            <a:headEnd type="triangle" w="med" len="med"/>
+            <a:tailEnd type="none" w="med" len="med"/>
+          </a:ln>
+        </p:spPr>
+        <p:style>
+          <a:lnRef idx="1">
+            <a:schemeClr val="accent1"/>
+          </a:lnRef>
+          <a:fillRef idx="0">
+            <a:schemeClr val="accent1"/>
+          </a:fillRef>
+          <a:effectRef idx="0">
+            <a:schemeClr val="accent1"/>
+          </a:effectRef>
+          <a:fontRef idx="minor">
+            <a:schemeClr val="tx1"/>
+          </a:fontRef>
+        </p:style>
+      </p:cxnSp>
     </p:spTree>
     <p:extLst>
       <p:ext uri="{BB962C8B-B14F-4D97-AF65-F5344CB8AC3E}">
-        <p14:creationId xmlns="" xmlns:p14="http://schemas.microsoft.com/office/powerpoint/2010/main" val="1537013682"/>
+        <p14:creationId xmlns:p14="http://schemas.microsoft.com/office/powerpoint/2010/main" xmlns="" val="1537013682"/>
       </p:ext>
     </p:extLst>
   </p:cSld>
